--- a/STORE SALES ANALYSIS - fashion clothes.pptx
+++ b/STORE SALES ANALYSIS - fashion clothes.pptx
@@ -19498,10 +19498,10 @@
       </p:pic>
       <p:pic>
         <p:nvPicPr>
-          <p:cNvPr id="25" name="Imagen 24">
-            <a:extLst>
-              <a:ext uri="{FF2B5EF4-FFF2-40B4-BE49-F238E27FC236}">
-                <a16:creationId xmlns:a16="http://schemas.microsoft.com/office/drawing/2014/main" id="{D088CACA-57BE-4161-B926-E5053B74FC0C}"/>
+          <p:cNvPr id="29" name="Imagen 28">
+            <a:extLst>
+              <a:ext uri="{FF2B5EF4-FFF2-40B4-BE49-F238E27FC236}">
+                <a16:creationId xmlns:a16="http://schemas.microsoft.com/office/drawing/2014/main" id="{815B624E-B0E8-4B4B-B1F2-112A943F7805}"/>
               </a:ext>
             </a:extLst>
           </p:cNvPr>
@@ -19512,36 +19512,6 @@
         </p:nvPicPr>
         <p:blipFill>
           <a:blip r:embed="rId4"/>
-          <a:stretch>
-            <a:fillRect/>
-          </a:stretch>
-        </p:blipFill>
-        <p:spPr>
-          <a:xfrm>
-            <a:off x="5132748" y="3005291"/>
-            <a:ext cx="1926503" cy="847417"/>
-          </a:xfrm>
-          <a:prstGeom prst="rect">
-            <a:avLst/>
-          </a:prstGeom>
-        </p:spPr>
-      </p:pic>
-      <p:pic>
-        <p:nvPicPr>
-          <p:cNvPr id="29" name="Imagen 28">
-            <a:extLst>
-              <a:ext uri="{FF2B5EF4-FFF2-40B4-BE49-F238E27FC236}">
-                <a16:creationId xmlns:a16="http://schemas.microsoft.com/office/drawing/2014/main" id="{815B624E-B0E8-4B4B-B1F2-112A943F7805}"/>
-              </a:ext>
-            </a:extLst>
-          </p:cNvPr>
-          <p:cNvPicPr>
-            <a:picLocks noChangeAspect="1"/>
-          </p:cNvPicPr>
-          <p:nvPr/>
-        </p:nvPicPr>
-        <p:blipFill>
-          <a:blip r:embed="rId5"/>
           <a:stretch>
             <a:fillRect/>
           </a:stretch>
@@ -21384,7 +21354,7 @@
           <a:graphicData uri="http://schemas.openxmlformats.org/presentationml/2006/ole">
             <mc:AlternateContent xmlns:mc="http://schemas.openxmlformats.org/markup-compatibility/2006">
               <mc:Choice xmlns:v="urn:schemas-microsoft-com:vml" Requires="v">
-                <p:oleObj spid="_x0000_s11276" name="Worksheet" r:id="rId6" imgW="4739569" imgH="5128229" progId="Excel.Sheet.12">
+                <p:oleObj spid="_x0000_s11277" name="Worksheet" r:id="rId6" imgW="4739569" imgH="5128229" progId="Excel.Sheet.12">
                   <p:embed/>
                 </p:oleObj>
               </mc:Choice>
@@ -22713,15 +22683,6 @@
 </file>
 
 <file path=customXml/item1.xml><?xml version="1.0" encoding="utf-8"?>
-<?mso-contentType ?>
-<FormTemplates xmlns="http://schemas.microsoft.com/sharepoint/v3/contenttype/forms">
-  <Display>DocumentLibraryForm</Display>
-  <Edit>DocumentLibraryForm</Edit>
-  <New>DocumentLibraryForm</New>
-</FormTemplates>
-</file>
-
-<file path=customXml/item2.xml><?xml version="1.0" encoding="utf-8"?>
 <ct:contentTypeSchema xmlns:ct="http://schemas.microsoft.com/office/2006/metadata/contentType" xmlns:ma="http://schemas.microsoft.com/office/2006/metadata/properties/metaAttributes" ct:_="" ma:_="" ma:contentTypeName="Document" ma:contentTypeID="0x01010079F111ED35F8CC479449609E8A0923A6" ma:contentTypeVersion="20" ma:contentTypeDescription="Create a new document." ma:contentTypeScope="" ma:versionID="1267097ee5f5874adfcc408041ae252e">
   <xsd:schema xmlns:xsd="http://www.w3.org/2001/XMLSchema" xmlns:xs="http://www.w3.org/2001/XMLSchema" xmlns:p="http://schemas.microsoft.com/office/2006/metadata/properties" xmlns:ns1="http://schemas.microsoft.com/sharepoint/v3" xmlns:ns2="71af3243-3dd4-4a8d-8c0d-dd76da1f02a5" xmlns:ns3="16c05727-aa75-4e4a-9b5f-8a80a1165891" xmlns:ns4="230e9df3-be65-4c73-a93b-d1236ebd677e" targetNamespace="http://schemas.microsoft.com/office/2006/metadata/properties" ma:root="true" ma:fieldsID="395891a93df65b14727750f2c06c306c" ns1:_="" ns2:_="" ns3:_="" ns4:_="">
     <xsd:import namespace="http://schemas.microsoft.com/sharepoint/v3"/>
@@ -22997,6 +22958,15 @@
 </ct:contentTypeSchema>
 </file>
 
+<file path=customXml/item2.xml><?xml version="1.0" encoding="utf-8"?>
+<?mso-contentType ?>
+<FormTemplates xmlns="http://schemas.microsoft.com/sharepoint/v3/contenttype/forms">
+  <Display>DocumentLibraryForm</Display>
+  <Edit>DocumentLibraryForm</Edit>
+  <New>DocumentLibraryForm</New>
+</FormTemplates>
+</file>
+
 <file path=customXml/item3.xml><?xml version="1.0" encoding="utf-8"?>
 <p:properties xmlns:p="http://schemas.microsoft.com/office/2006/metadata/properties" xmlns:xsi="http://www.w3.org/2001/XMLSchema-instance" xmlns:pc="http://schemas.microsoft.com/office/infopath/2007/PartnerControls">
   <documentManagement>
@@ -23017,14 +22987,6 @@
 </file>
 
 <file path=customXml/itemProps1.xml><?xml version="1.0" encoding="utf-8"?>
-<ds:datastoreItem xmlns:ds="http://schemas.openxmlformats.org/officeDocument/2006/customXml" ds:itemID="{42BC90D6-94CF-42F7-AAC4-9CF6824C54D5}">
-  <ds:schemaRefs>
-    <ds:schemaRef ds:uri="http://schemas.microsoft.com/sharepoint/v3/contenttype/forms"/>
-  </ds:schemaRefs>
-</ds:datastoreItem>
-</file>
-
-<file path=customXml/itemProps2.xml><?xml version="1.0" encoding="utf-8"?>
 <ds:datastoreItem xmlns:ds="http://schemas.openxmlformats.org/officeDocument/2006/customXml" ds:itemID="{64CF2EF3-001F-4BE9-81B3-86ECBBF9425F}">
   <ds:schemaRefs>
     <ds:schemaRef ds:uri="http://schemas.microsoft.com/office/2006/metadata/contentType"/>
@@ -23045,14 +23007,29 @@
 </ds:datastoreItem>
 </file>
 
+<file path=customXml/itemProps2.xml><?xml version="1.0" encoding="utf-8"?>
+<ds:datastoreItem xmlns:ds="http://schemas.openxmlformats.org/officeDocument/2006/customXml" ds:itemID="{42BC90D6-94CF-42F7-AAC4-9CF6824C54D5}">
+  <ds:schemaRefs>
+    <ds:schemaRef ds:uri="http://schemas.microsoft.com/sharepoint/v3/contenttype/forms"/>
+  </ds:schemaRefs>
+</ds:datastoreItem>
+</file>
+
 <file path=customXml/itemProps3.xml><?xml version="1.0" encoding="utf-8"?>
 <ds:datastoreItem xmlns:ds="http://schemas.openxmlformats.org/officeDocument/2006/customXml" ds:itemID="{7F97B18F-50BC-4F30-8373-93489E845F83}">
   <ds:schemaRefs>
-    <ds:schemaRef ds:uri="http://schemas.microsoft.com/office/2006/metadata/properties"/>
+    <ds:schemaRef ds:uri="http://purl.org/dc/elements/1.1/"/>
     <ds:schemaRef ds:uri="http://schemas.microsoft.com/office/infopath/2007/PartnerControls"/>
     <ds:schemaRef ds:uri="http://schemas.microsoft.com/sharepoint/v3"/>
+    <ds:schemaRef ds:uri="http://schemas.microsoft.com/office/2006/documentManagement/types"/>
+    <ds:schemaRef ds:uri="http://schemas.microsoft.com/office/2006/metadata/properties"/>
+    <ds:schemaRef ds:uri="http://schemas.openxmlformats.org/package/2006/metadata/core-properties"/>
     <ds:schemaRef ds:uri="71af3243-3dd4-4a8d-8c0d-dd76da1f02a5"/>
     <ds:schemaRef ds:uri="230e9df3-be65-4c73-a93b-d1236ebd677e"/>
+    <ds:schemaRef ds:uri="http://purl.org/dc/dcmitype/"/>
+    <ds:schemaRef ds:uri="16c05727-aa75-4e4a-9b5f-8a80a1165891"/>
+    <ds:schemaRef ds:uri="http://www.w3.org/XML/1998/namespace"/>
+    <ds:schemaRef ds:uri="http://purl.org/dc/terms/"/>
   </ds:schemaRefs>
 </ds:datastoreItem>
 </file>
